--- a/HoarePartition.pptx
+++ b/HoarePartition.pptx
@@ -5,7 +5,7 @@
     <p:sldMasterId id="2147483660" r:id="rId1"/>
   </p:sldMasterIdLst>
   <p:notesMasterIdLst>
-    <p:notesMasterId r:id="rId16"/>
+    <p:notesMasterId r:id="rId14"/>
   </p:notesMasterIdLst>
   <p:sldIdLst>
     <p:sldId id="256" r:id="rId2"/>
@@ -19,9 +19,7 @@
     <p:sldId id="265" r:id="rId10"/>
     <p:sldId id="264" r:id="rId11"/>
     <p:sldId id="267" r:id="rId12"/>
-    <p:sldId id="268" r:id="rId13"/>
-    <p:sldId id="269" r:id="rId14"/>
-    <p:sldId id="270" r:id="rId15"/>
+    <p:sldId id="270" r:id="rId13"/>
   </p:sldIdLst>
   <p:sldSz cx="12192000" cy="6858000"/>
   <p:notesSz cx="6858000" cy="9144000"/>
@@ -120,6 +118,11 @@
       </a:defRPr>
     </a:lvl9pPr>
   </p:defaultTextStyle>
+  <p:extLst>
+    <p:ext uri="{EFAFB233-063F-42B5-8137-9DF3F51BA10A}">
+      <p15:sldGuideLst xmlns:p15="http://schemas.microsoft.com/office/powerpoint/2012/main"/>
+    </p:ext>
+  </p:extLst>
 </p:presentation>
 </file>
 
@@ -205,7 +208,7 @@
           <a:p>
             <a:fld id="{4C161E45-8FA1-45E9-ADD6-78004568C524}" type="datetimeFigureOut">
               <a:rPr lang="en-US" smtClean="0"/>
-              <a:t>9/29/2021</a:t>
+              <a:t>10/6/2021</a:t>
             </a:fld>
             <a:endParaRPr lang="en-US"/>
           </a:p>
@@ -785,7 +788,7 @@
           <a:p>
             <a:fld id="{D03617A5-8C24-45BB-B4A7-1E7916357338}" type="datetimeFigureOut">
               <a:rPr lang="en-US" smtClean="0"/>
-              <a:t>9/29/2021</a:t>
+              <a:t>10/6/2021</a:t>
             </a:fld>
             <a:endParaRPr lang="en-US"/>
           </a:p>
@@ -1119,7 +1122,7 @@
           <a:p>
             <a:fld id="{D03617A5-8C24-45BB-B4A7-1E7916357338}" type="datetimeFigureOut">
               <a:rPr lang="en-US" smtClean="0"/>
-              <a:t>9/29/2021</a:t>
+              <a:t>10/6/2021</a:t>
             </a:fld>
             <a:endParaRPr lang="en-US"/>
           </a:p>
@@ -1397,7 +1400,7 @@
           <a:p>
             <a:fld id="{D03617A5-8C24-45BB-B4A7-1E7916357338}" type="datetimeFigureOut">
               <a:rPr lang="en-US" smtClean="0"/>
-              <a:t>9/29/2021</a:t>
+              <a:t>10/6/2021</a:t>
             </a:fld>
             <a:endParaRPr lang="en-US"/>
           </a:p>
@@ -1965,7 +1968,7 @@
           <a:p>
             <a:fld id="{D03617A5-8C24-45BB-B4A7-1E7916357338}" type="datetimeFigureOut">
               <a:rPr lang="en-US" smtClean="0"/>
-              <a:t>9/29/2021</a:t>
+              <a:t>10/6/2021</a:t>
             </a:fld>
             <a:endParaRPr lang="en-US"/>
           </a:p>
@@ -2243,7 +2246,7 @@
           <a:p>
             <a:fld id="{D03617A5-8C24-45BB-B4A7-1E7916357338}" type="datetimeFigureOut">
               <a:rPr lang="en-US" smtClean="0"/>
-              <a:t>9/29/2021</a:t>
+              <a:t>10/6/2021</a:t>
             </a:fld>
             <a:endParaRPr lang="en-US"/>
           </a:p>
@@ -2805,7 +2808,7 @@
           <a:p>
             <a:fld id="{D03617A5-8C24-45BB-B4A7-1E7916357338}" type="datetimeFigureOut">
               <a:rPr lang="en-US" smtClean="0"/>
-              <a:t>9/29/2021</a:t>
+              <a:t>10/6/2021</a:t>
             </a:fld>
             <a:endParaRPr lang="en-US"/>
           </a:p>
@@ -3132,7 +3135,7 @@
           <a:p>
             <a:fld id="{D03617A5-8C24-45BB-B4A7-1E7916357338}" type="datetimeFigureOut">
               <a:rPr lang="en-US" smtClean="0"/>
-              <a:t>9/29/2021</a:t>
+              <a:t>10/6/2021</a:t>
             </a:fld>
             <a:endParaRPr lang="en-US"/>
           </a:p>
@@ -3309,7 +3312,7 @@
           <a:p>
             <a:fld id="{D03617A5-8C24-45BB-B4A7-1E7916357338}" type="datetimeFigureOut">
               <a:rPr lang="en-US" smtClean="0"/>
-              <a:t>9/29/2021</a:t>
+              <a:t>10/6/2021</a:t>
             </a:fld>
             <a:endParaRPr lang="en-US"/>
           </a:p>
@@ -3547,7 +3550,7 @@
           <a:p>
             <a:fld id="{D03617A5-8C24-45BB-B4A7-1E7916357338}" type="datetimeFigureOut">
               <a:rPr lang="en-US" smtClean="0"/>
-              <a:t>9/29/2021</a:t>
+              <a:t>10/6/2021</a:t>
             </a:fld>
             <a:endParaRPr lang="en-US"/>
           </a:p>
@@ -3747,7 +3750,7 @@
           <a:p>
             <a:fld id="{D03617A5-8C24-45BB-B4A7-1E7916357338}" type="datetimeFigureOut">
               <a:rPr lang="en-US" smtClean="0"/>
-              <a:t>9/29/2021</a:t>
+              <a:t>10/6/2021</a:t>
             </a:fld>
             <a:endParaRPr lang="en-US"/>
           </a:p>
@@ -4023,7 +4026,7 @@
           <a:p>
             <a:fld id="{D03617A5-8C24-45BB-B4A7-1E7916357338}" type="datetimeFigureOut">
               <a:rPr lang="en-US" smtClean="0"/>
-              <a:t>9/29/2021</a:t>
+              <a:t>10/6/2021</a:t>
             </a:fld>
             <a:endParaRPr lang="en-US"/>
           </a:p>
@@ -4289,7 +4292,7 @@
           <a:p>
             <a:fld id="{D03617A5-8C24-45BB-B4A7-1E7916357338}" type="datetimeFigureOut">
               <a:rPr lang="en-US" smtClean="0"/>
-              <a:t>9/29/2021</a:t>
+              <a:t>10/6/2021</a:t>
             </a:fld>
             <a:endParaRPr lang="en-US"/>
           </a:p>
@@ -4663,7 +4666,7 @@
           <a:p>
             <a:fld id="{D03617A5-8C24-45BB-B4A7-1E7916357338}" type="datetimeFigureOut">
               <a:rPr lang="en-US" smtClean="0"/>
-              <a:t>9/29/2021</a:t>
+              <a:t>10/6/2021</a:t>
             </a:fld>
             <a:endParaRPr lang="en-US"/>
           </a:p>
@@ -4811,7 +4814,7 @@
           <a:p>
             <a:fld id="{D03617A5-8C24-45BB-B4A7-1E7916357338}" type="datetimeFigureOut">
               <a:rPr lang="en-US" smtClean="0"/>
-              <a:t>9/29/2021</a:t>
+              <a:t>10/6/2021</a:t>
             </a:fld>
             <a:endParaRPr lang="en-US"/>
           </a:p>
@@ -4936,7 +4939,7 @@
           <a:p>
             <a:fld id="{D03617A5-8C24-45BB-B4A7-1E7916357338}" type="datetimeFigureOut">
               <a:rPr lang="en-US" smtClean="0"/>
-              <a:t>9/29/2021</a:t>
+              <a:t>10/6/2021</a:t>
             </a:fld>
             <a:endParaRPr lang="en-US"/>
           </a:p>
@@ -5221,7 +5224,7 @@
           <a:p>
             <a:fld id="{D03617A5-8C24-45BB-B4A7-1E7916357338}" type="datetimeFigureOut">
               <a:rPr lang="en-US" smtClean="0"/>
-              <a:t>9/29/2021</a:t>
+              <a:t>10/6/2021</a:t>
             </a:fld>
             <a:endParaRPr lang="en-US"/>
           </a:p>
@@ -5545,7 +5548,7 @@
           <a:p>
             <a:fld id="{D03617A5-8C24-45BB-B4A7-1E7916357338}" type="datetimeFigureOut">
               <a:rPr lang="en-US" smtClean="0"/>
-              <a:t>9/29/2021</a:t>
+              <a:t>10/6/2021</a:t>
             </a:fld>
             <a:endParaRPr lang="en-US"/>
           </a:p>
@@ -5759,7 +5762,7 @@
           <a:p>
             <a:fld id="{D03617A5-8C24-45BB-B4A7-1E7916357338}" type="datetimeFigureOut">
               <a:rPr lang="en-US" smtClean="0"/>
-              <a:t>9/29/2021</a:t>
+              <a:t>10/6/2021</a:t>
             </a:fld>
             <a:endParaRPr lang="en-US"/>
           </a:p>
@@ -6369,10 +6372,10 @@
       </p:grpSpPr>
       <p:pic>
         <p:nvPicPr>
-          <p:cNvPr id="7" name="Picture 6">
+          <p:cNvPr id="3" name="Picture 2">
             <a:extLst>
               <a:ext uri="{FF2B5EF4-FFF2-40B4-BE49-F238E27FC236}">
-                <a16:creationId xmlns:a16="http://schemas.microsoft.com/office/drawing/2014/main" id="{6D04B971-A272-4DCE-A4FF-F485421C9805}"/>
+                <a16:creationId xmlns:a16="http://schemas.microsoft.com/office/drawing/2014/main" id="{289FFDBC-DBCA-43DF-A30D-5C95B4A3CF09}"/>
               </a:ext>
             </a:extLst>
           </p:cNvPr>
@@ -6389,8 +6392,8 @@
         </p:blipFill>
         <p:spPr>
           <a:xfrm>
-            <a:off x="452437" y="1547812"/>
-            <a:ext cx="11287125" cy="3762375"/>
+            <a:off x="1352550" y="1547812"/>
+            <a:ext cx="9486900" cy="3762375"/>
           </a:xfrm>
           <a:prstGeom prst="rect">
             <a:avLst/>
@@ -6429,10 +6432,10 @@
       </p:grpSpPr>
       <p:pic>
         <p:nvPicPr>
-          <p:cNvPr id="3" name="Picture 2">
+          <p:cNvPr id="4" name="Picture 3">
             <a:extLst>
               <a:ext uri="{FF2B5EF4-FFF2-40B4-BE49-F238E27FC236}">
-                <a16:creationId xmlns:a16="http://schemas.microsoft.com/office/drawing/2014/main" id="{9D0678EB-6356-4688-9ECB-04F92018DDF9}"/>
+                <a16:creationId xmlns:a16="http://schemas.microsoft.com/office/drawing/2014/main" id="{A6DE72C6-A90C-44AE-9B0B-49BD6FE24FE5}"/>
               </a:ext>
             </a:extLst>
           </p:cNvPr>
@@ -6449,8 +6452,8 @@
         </p:blipFill>
         <p:spPr>
           <a:xfrm>
-            <a:off x="304800" y="1028700"/>
-            <a:ext cx="11582400" cy="4800600"/>
+            <a:off x="1243012" y="1452562"/>
+            <a:ext cx="9705975" cy="3952875"/>
           </a:xfrm>
           <a:prstGeom prst="rect">
             <a:avLst/>
@@ -6487,12 +6490,55 @@
           <a:chExt cx="0" cy="0"/>
         </a:xfrm>
       </p:grpSpPr>
+      <p:sp>
+        <p:nvSpPr>
+          <p:cNvPr id="6" name="TextBox 5">
+            <a:extLst>
+              <a:ext uri="{FF2B5EF4-FFF2-40B4-BE49-F238E27FC236}">
+                <a16:creationId xmlns:a16="http://schemas.microsoft.com/office/drawing/2014/main" id="{90AF4D6A-5D8B-49C1-8271-4E341237971F}"/>
+              </a:ext>
+            </a:extLst>
+          </p:cNvPr>
+          <p:cNvSpPr txBox="1"/>
+          <p:nvPr/>
+        </p:nvSpPr>
+        <p:spPr>
+          <a:xfrm>
+            <a:off x="3461658" y="1903444"/>
+            <a:ext cx="5570375" cy="369332"/>
+          </a:xfrm>
+          <a:prstGeom prst="rect">
+            <a:avLst/>
+          </a:prstGeom>
+          <a:noFill/>
+        </p:spPr>
+        <p:txBody>
+          <a:bodyPr wrap="square" rtlCol="0">
+            <a:spAutoFit/>
+          </a:bodyPr>
+          <a:lstStyle/>
+          <a:p>
+            <a:r>
+              <a:rPr lang="en-US" dirty="0"/>
+              <a:t>The </a:t>
+            </a:r>
+            <a:r>
+              <a:rPr lang="en-US" dirty="0" err="1"/>
+              <a:t>HoarePartition</a:t>
+            </a:r>
+            <a:r>
+              <a:rPr lang="en-US" dirty="0"/>
+              <a:t> will return the index of the pivot</a:t>
+            </a:r>
+          </a:p>
+        </p:txBody>
+      </p:sp>
       <p:pic>
         <p:nvPicPr>
-          <p:cNvPr id="3" name="Picture 2">
+          <p:cNvPr id="9" name="Picture 8">
             <a:extLst>
               <a:ext uri="{FF2B5EF4-FFF2-40B4-BE49-F238E27FC236}">
-                <a16:creationId xmlns:a16="http://schemas.microsoft.com/office/drawing/2014/main" id="{B359822F-8006-4F2F-85BA-6FAED0F7A132}"/>
+                <a16:creationId xmlns:a16="http://schemas.microsoft.com/office/drawing/2014/main" id="{2D0B3969-715D-4B0A-981D-96460BD4DD67}"/>
               </a:ext>
             </a:extLst>
           </p:cNvPr>
@@ -6509,140 +6555,20 @@
         </p:blipFill>
         <p:spPr>
           <a:xfrm>
-            <a:off x="581025" y="1009650"/>
-            <a:ext cx="11029950" cy="4838700"/>
+            <a:off x="2456574" y="2272776"/>
+            <a:ext cx="6724650" cy="1061746"/>
           </a:xfrm>
           <a:prstGeom prst="rect">
             <a:avLst/>
           </a:prstGeom>
         </p:spPr>
       </p:pic>
-    </p:spTree>
-    <p:extLst>
-      <p:ext uri="{BB962C8B-B14F-4D97-AF65-F5344CB8AC3E}">
-        <p14:creationId xmlns:p14="http://schemas.microsoft.com/office/powerpoint/2010/main" val="411628824"/>
-      </p:ext>
-    </p:extLst>
-  </p:cSld>
-  <p:clrMapOvr>
-    <a:masterClrMapping/>
-  </p:clrMapOvr>
-</p:sld>
-</file>
-
-<file path=ppt/slides/slide13.xml><?xml version="1.0" encoding="utf-8"?>
-<p:sld xmlns:a="http://schemas.openxmlformats.org/drawingml/2006/main" xmlns:r="http://schemas.openxmlformats.org/officeDocument/2006/relationships" xmlns:p="http://schemas.openxmlformats.org/presentationml/2006/main">
-  <p:cSld>
-    <p:spTree>
-      <p:nvGrpSpPr>
-        <p:cNvPr id="1" name=""/>
-        <p:cNvGrpSpPr/>
-        <p:nvPr/>
-      </p:nvGrpSpPr>
-      <p:grpSpPr>
-        <a:xfrm>
-          <a:off x="0" y="0"/>
-          <a:ext cx="0" cy="0"/>
-          <a:chOff x="0" y="0"/>
-          <a:chExt cx="0" cy="0"/>
-        </a:xfrm>
-      </p:grpSpPr>
       <p:pic>
         <p:nvPicPr>
-          <p:cNvPr id="5" name="Picture 4">
+          <p:cNvPr id="11" name="Picture 10">
             <a:extLst>
               <a:ext uri="{FF2B5EF4-FFF2-40B4-BE49-F238E27FC236}">
-                <a16:creationId xmlns:a16="http://schemas.microsoft.com/office/drawing/2014/main" id="{27AB36C9-42D1-4FB7-9E8D-30CEA19E4F9C}"/>
-              </a:ext>
-            </a:extLst>
-          </p:cNvPr>
-          <p:cNvPicPr>
-            <a:picLocks noChangeAspect="1"/>
-          </p:cNvPicPr>
-          <p:nvPr/>
-        </p:nvPicPr>
-        <p:blipFill>
-          <a:blip r:embed="rId2"/>
-          <a:stretch>
-            <a:fillRect/>
-          </a:stretch>
-        </p:blipFill>
-        <p:spPr>
-          <a:xfrm>
-            <a:off x="304800" y="1695450"/>
-            <a:ext cx="11582400" cy="3467100"/>
-          </a:xfrm>
-          <a:prstGeom prst="rect">
-            <a:avLst/>
-          </a:prstGeom>
-        </p:spPr>
-      </p:pic>
-    </p:spTree>
-    <p:extLst>
-      <p:ext uri="{BB962C8B-B14F-4D97-AF65-F5344CB8AC3E}">
-        <p14:creationId xmlns:p14="http://schemas.microsoft.com/office/powerpoint/2010/main" val="1926281104"/>
-      </p:ext>
-    </p:extLst>
-  </p:cSld>
-  <p:clrMapOvr>
-    <a:masterClrMapping/>
-  </p:clrMapOvr>
-</p:sld>
-</file>
-
-<file path=ppt/slides/slide14.xml><?xml version="1.0" encoding="utf-8"?>
-<p:sld xmlns:a="http://schemas.openxmlformats.org/drawingml/2006/main" xmlns:r="http://schemas.openxmlformats.org/officeDocument/2006/relationships" xmlns:p="http://schemas.openxmlformats.org/presentationml/2006/main">
-  <p:cSld>
-    <p:spTree>
-      <p:nvGrpSpPr>
-        <p:cNvPr id="1" name=""/>
-        <p:cNvGrpSpPr/>
-        <p:nvPr/>
-      </p:nvGrpSpPr>
-      <p:grpSpPr>
-        <a:xfrm>
-          <a:off x="0" y="0"/>
-          <a:ext cx="0" cy="0"/>
-          <a:chOff x="0" y="0"/>
-          <a:chExt cx="0" cy="0"/>
-        </a:xfrm>
-      </p:grpSpPr>
-      <p:pic>
-        <p:nvPicPr>
-          <p:cNvPr id="3" name="Picture 2">
-            <a:extLst>
-              <a:ext uri="{FF2B5EF4-FFF2-40B4-BE49-F238E27FC236}">
-                <a16:creationId xmlns:a16="http://schemas.microsoft.com/office/drawing/2014/main" id="{EF7A04CC-22DF-4114-80F2-7EB1F6216C57}"/>
-              </a:ext>
-            </a:extLst>
-          </p:cNvPr>
-          <p:cNvPicPr>
-            <a:picLocks noChangeAspect="1"/>
-          </p:cNvPicPr>
-          <p:nvPr/>
-        </p:nvPicPr>
-        <p:blipFill>
-          <a:blip r:embed="rId2"/>
-          <a:stretch>
-            <a:fillRect/>
-          </a:stretch>
-        </p:blipFill>
-        <p:spPr>
-          <a:xfrm>
-            <a:off x="1874426" y="94195"/>
-            <a:ext cx="8070285" cy="1925022"/>
-          </a:xfrm>
-          <a:prstGeom prst="rect">
-            <a:avLst/>
-          </a:prstGeom>
-        </p:spPr>
-      </p:pic>
-      <p:pic>
-        <p:nvPicPr>
-          <p:cNvPr id="5" name="Picture 4">
-            <a:extLst>
-              <a:ext uri="{FF2B5EF4-FFF2-40B4-BE49-F238E27FC236}">
-                <a16:creationId xmlns:a16="http://schemas.microsoft.com/office/drawing/2014/main" id="{8E322B29-B7C8-4CDF-9CE3-E33DA3CA0FCB}"/>
+                <a16:creationId xmlns:a16="http://schemas.microsoft.com/office/drawing/2014/main" id="{57616182-1A87-40CA-89D1-D51DC81F5574}"/>
               </a:ext>
             </a:extLst>
           </p:cNvPr>
@@ -6659,8 +6585,8 @@
         </p:blipFill>
         <p:spPr>
           <a:xfrm>
-            <a:off x="700811" y="2400577"/>
-            <a:ext cx="10363494" cy="1028423"/>
+            <a:off x="2456575" y="3703854"/>
+            <a:ext cx="6724649" cy="725844"/>
           </a:xfrm>
           <a:prstGeom prst="rect">
             <a:avLst/>
@@ -6669,10 +6595,10 @@
       </p:pic>
       <p:pic>
         <p:nvPicPr>
-          <p:cNvPr id="7" name="Picture 6">
+          <p:cNvPr id="13" name="Picture 12">
             <a:extLst>
               <a:ext uri="{FF2B5EF4-FFF2-40B4-BE49-F238E27FC236}">
-                <a16:creationId xmlns:a16="http://schemas.microsoft.com/office/drawing/2014/main" id="{6E23EB7C-1A32-46B2-A34B-23AF0DADFC52}"/>
+                <a16:creationId xmlns:a16="http://schemas.microsoft.com/office/drawing/2014/main" id="{4ADBF81A-4C69-4484-9600-364C2526B35E}"/>
               </a:ext>
             </a:extLst>
           </p:cNvPr>
@@ -6689,8 +6615,8 @@
         </p:blipFill>
         <p:spPr>
           <a:xfrm>
-            <a:off x="700811" y="3524609"/>
-            <a:ext cx="10363494" cy="869837"/>
+            <a:off x="2593133" y="1038812"/>
+            <a:ext cx="6438900" cy="495300"/>
           </a:xfrm>
           <a:prstGeom prst="rect">
             <a:avLst/>
@@ -6884,10 +6810,10 @@
       </p:grpSpPr>
       <p:pic>
         <p:nvPicPr>
-          <p:cNvPr id="3" name="Picture 2">
+          <p:cNvPr id="9" name="Picture 8">
             <a:extLst>
               <a:ext uri="{FF2B5EF4-FFF2-40B4-BE49-F238E27FC236}">
-                <a16:creationId xmlns:a16="http://schemas.microsoft.com/office/drawing/2014/main" id="{58E7BC9E-22AE-4657-A65A-A284D96F6FBA}"/>
+                <a16:creationId xmlns:a16="http://schemas.microsoft.com/office/drawing/2014/main" id="{E21A9EA9-7501-4033-9A91-E871786E9E7A}"/>
               </a:ext>
             </a:extLst>
           </p:cNvPr>
@@ -6904,38 +6830,8 @@
         </p:blipFill>
         <p:spPr>
           <a:xfrm>
-            <a:off x="1190625" y="1399592"/>
-            <a:ext cx="9810750" cy="3781425"/>
-          </a:xfrm>
-          <a:prstGeom prst="rect">
-            <a:avLst/>
-          </a:prstGeom>
-        </p:spPr>
-      </p:pic>
-      <p:pic>
-        <p:nvPicPr>
-          <p:cNvPr id="5" name="Picture 4">
-            <a:extLst>
-              <a:ext uri="{FF2B5EF4-FFF2-40B4-BE49-F238E27FC236}">
-                <a16:creationId xmlns:a16="http://schemas.microsoft.com/office/drawing/2014/main" id="{CF6DD437-1607-413A-B01E-843ED665CEFC}"/>
-              </a:ext>
-            </a:extLst>
-          </p:cNvPr>
-          <p:cNvPicPr>
-            <a:picLocks noChangeAspect="1"/>
-          </p:cNvPicPr>
-          <p:nvPr/>
-        </p:nvPicPr>
-        <p:blipFill>
-          <a:blip r:embed="rId4"/>
-          <a:stretch>
-            <a:fillRect/>
-          </a:stretch>
-        </p:blipFill>
-        <p:spPr>
-          <a:xfrm>
-            <a:off x="6522194" y="3571292"/>
-            <a:ext cx="1666875" cy="1609725"/>
+            <a:off x="1323975" y="1366837"/>
+            <a:ext cx="9544050" cy="4124325"/>
           </a:xfrm>
           <a:prstGeom prst="rect">
             <a:avLst/>
@@ -6974,10 +6870,10 @@
       </p:grpSpPr>
       <p:pic>
         <p:nvPicPr>
-          <p:cNvPr id="3" name="Picture 2">
+          <p:cNvPr id="4" name="Picture 3">
             <a:extLst>
               <a:ext uri="{FF2B5EF4-FFF2-40B4-BE49-F238E27FC236}">
-                <a16:creationId xmlns:a16="http://schemas.microsoft.com/office/drawing/2014/main" id="{EE2F4167-CD66-4C3E-829B-643C80624271}"/>
+                <a16:creationId xmlns:a16="http://schemas.microsoft.com/office/drawing/2014/main" id="{42124D0A-3774-4BD6-ADDF-DDA5F39C6C78}"/>
               </a:ext>
             </a:extLst>
           </p:cNvPr>
@@ -6994,8 +6890,8 @@
         </p:blipFill>
         <p:spPr>
           <a:xfrm>
-            <a:off x="1181100" y="842962"/>
-            <a:ext cx="9829800" cy="5172075"/>
+            <a:off x="1185862" y="1581150"/>
+            <a:ext cx="9820275" cy="3695700"/>
           </a:xfrm>
           <a:prstGeom prst="rect">
             <a:avLst/>
@@ -7034,10 +6930,10 @@
       </p:grpSpPr>
       <p:pic>
         <p:nvPicPr>
-          <p:cNvPr id="5" name="Picture 4">
+          <p:cNvPr id="3" name="Picture 2">
             <a:extLst>
               <a:ext uri="{FF2B5EF4-FFF2-40B4-BE49-F238E27FC236}">
-                <a16:creationId xmlns:a16="http://schemas.microsoft.com/office/drawing/2014/main" id="{7FD6DD76-D659-43AC-9C34-F5336F90624C}"/>
+                <a16:creationId xmlns:a16="http://schemas.microsoft.com/office/drawing/2014/main" id="{43EFDE9A-78C2-49F9-B0A2-0718FFD30459}"/>
               </a:ext>
             </a:extLst>
           </p:cNvPr>
@@ -7054,8 +6950,8 @@
         </p:blipFill>
         <p:spPr>
           <a:xfrm>
-            <a:off x="247650" y="1471612"/>
-            <a:ext cx="11696700" cy="3914775"/>
+            <a:off x="1209675" y="1528762"/>
+            <a:ext cx="9772650" cy="3800475"/>
           </a:xfrm>
           <a:prstGeom prst="rect">
             <a:avLst/>
@@ -7094,10 +6990,10 @@
       </p:grpSpPr>
       <p:pic>
         <p:nvPicPr>
-          <p:cNvPr id="3" name="Picture 2">
+          <p:cNvPr id="4" name="Picture 3">
             <a:extLst>
               <a:ext uri="{FF2B5EF4-FFF2-40B4-BE49-F238E27FC236}">
-                <a16:creationId xmlns:a16="http://schemas.microsoft.com/office/drawing/2014/main" id="{DB96BDB7-2FFE-442C-B942-CD756EE99EB9}"/>
+                <a16:creationId xmlns:a16="http://schemas.microsoft.com/office/drawing/2014/main" id="{0C35CE9F-B160-4AD2-A3C1-0CCFAD1A2022}"/>
               </a:ext>
             </a:extLst>
           </p:cNvPr>
@@ -7114,8 +7010,8 @@
         </p:blipFill>
         <p:spPr>
           <a:xfrm>
-            <a:off x="333375" y="1666875"/>
-            <a:ext cx="11525250" cy="3524250"/>
+            <a:off x="1204912" y="1509712"/>
+            <a:ext cx="9782175" cy="3838575"/>
           </a:xfrm>
           <a:prstGeom prst="rect">
             <a:avLst/>
@@ -7154,10 +7050,10 @@
       </p:grpSpPr>
       <p:pic>
         <p:nvPicPr>
-          <p:cNvPr id="3" name="Picture 2">
+          <p:cNvPr id="4" name="Picture 3">
             <a:extLst>
               <a:ext uri="{FF2B5EF4-FFF2-40B4-BE49-F238E27FC236}">
-                <a16:creationId xmlns:a16="http://schemas.microsoft.com/office/drawing/2014/main" id="{6AC9D593-3CED-4872-AD3C-64522B677A26}"/>
+                <a16:creationId xmlns:a16="http://schemas.microsoft.com/office/drawing/2014/main" id="{37F7E5D7-4382-4082-B8FC-50F2CDA45111}"/>
               </a:ext>
             </a:extLst>
           </p:cNvPr>
@@ -7174,8 +7070,8 @@
         </p:blipFill>
         <p:spPr>
           <a:xfrm>
-            <a:off x="371475" y="1185862"/>
-            <a:ext cx="11449050" cy="4486275"/>
+            <a:off x="1176337" y="1552575"/>
+            <a:ext cx="9839325" cy="3752850"/>
           </a:xfrm>
           <a:prstGeom prst="rect">
             <a:avLst/>
@@ -7214,10 +7110,10 @@
       </p:grpSpPr>
       <p:pic>
         <p:nvPicPr>
-          <p:cNvPr id="3" name="Picture 2">
+          <p:cNvPr id="4" name="Picture 3">
             <a:extLst>
               <a:ext uri="{FF2B5EF4-FFF2-40B4-BE49-F238E27FC236}">
-                <a16:creationId xmlns:a16="http://schemas.microsoft.com/office/drawing/2014/main" id="{2EC8DC62-92E4-4E5D-8237-0141541A8253}"/>
+                <a16:creationId xmlns:a16="http://schemas.microsoft.com/office/drawing/2014/main" id="{EFB31995-55E1-4FD0-A0E0-7B5DB254442D}"/>
               </a:ext>
             </a:extLst>
           </p:cNvPr>
@@ -7234,8 +7130,8 @@
         </p:blipFill>
         <p:spPr>
           <a:xfrm>
-            <a:off x="285750" y="1128712"/>
-            <a:ext cx="11620500" cy="4600575"/>
+            <a:off x="1352550" y="1504950"/>
+            <a:ext cx="9486900" cy="3848100"/>
           </a:xfrm>
           <a:prstGeom prst="rect">
             <a:avLst/>
